--- a/機器學習 (2).pptx
+++ b/機器學習 (2).pptx
@@ -13940,7 +13940,7 @@
           <a:p>
             <a:fld id="{44F2CC8D-3B9A-4706-A2EE-CEE172D75FE6}" type="datetimeFigureOut">
               <a:rPr lang="zh-CN" altLang="en-US" smtClean="0"/>
-              <a:t>2021/11/13</a:t>
+              <a:t>2021/11/21</a:t>
             </a:fld>
             <a:endParaRPr lang="zh-CN" altLang="en-US"/>
           </a:p>
@@ -15176,7 +15176,7 @@
           <a:p>
             <a:fld id="{977FFA72-90F3-4843-A88F-D4609A153988}" type="datetimeFigureOut">
               <a:rPr lang="zh-CN" altLang="en-US" smtClean="0"/>
-              <a:t>2021/11/13</a:t>
+              <a:t>2021/11/21</a:t>
             </a:fld>
             <a:endParaRPr lang="zh-CN" altLang="en-US"/>
           </a:p>
@@ -15339,7 +15339,7 @@
           <a:p>
             <a:fld id="{977FFA72-90F3-4843-A88F-D4609A153988}" type="datetimeFigureOut">
               <a:rPr lang="zh-CN" altLang="en-US" smtClean="0"/>
-              <a:t>2021/11/13</a:t>
+              <a:t>2021/11/21</a:t>
             </a:fld>
             <a:endParaRPr lang="zh-CN" altLang="en-US"/>
           </a:p>
@@ -15512,7 +15512,7 @@
           <a:p>
             <a:fld id="{977FFA72-90F3-4843-A88F-D4609A153988}" type="datetimeFigureOut">
               <a:rPr lang="zh-CN" altLang="en-US" smtClean="0"/>
-              <a:t>2021/11/13</a:t>
+              <a:t>2021/11/21</a:t>
             </a:fld>
             <a:endParaRPr lang="zh-CN" altLang="en-US"/>
           </a:p>
@@ -15708,7 +15708,7 @@
           <a:p>
             <a:fld id="{977FFA72-90F3-4843-A88F-D4609A153988}" type="datetimeFigureOut">
               <a:rPr lang="zh-CN" altLang="en-US" smtClean="0"/>
-              <a:t>2021/11/13</a:t>
+              <a:t>2021/11/21</a:t>
             </a:fld>
             <a:endParaRPr lang="zh-CN" altLang="en-US"/>
           </a:p>
@@ -15948,7 +15948,7 @@
           <a:p>
             <a:fld id="{977FFA72-90F3-4843-A88F-D4609A153988}" type="datetimeFigureOut">
               <a:rPr lang="zh-CN" altLang="en-US" smtClean="0"/>
-              <a:t>2021/11/13</a:t>
+              <a:t>2021/11/21</a:t>
             </a:fld>
             <a:endParaRPr lang="zh-CN" altLang="en-US"/>
           </a:p>
@@ -16172,7 +16172,7 @@
           <a:p>
             <a:fld id="{977FFA72-90F3-4843-A88F-D4609A153988}" type="datetimeFigureOut">
               <a:rPr lang="zh-CN" altLang="en-US" smtClean="0"/>
-              <a:t>2021/11/13</a:t>
+              <a:t>2021/11/21</a:t>
             </a:fld>
             <a:endParaRPr lang="zh-CN" altLang="en-US"/>
           </a:p>
@@ -16531,7 +16531,7 @@
           <a:p>
             <a:fld id="{977FFA72-90F3-4843-A88F-D4609A153988}" type="datetimeFigureOut">
               <a:rPr lang="zh-CN" altLang="en-US" smtClean="0"/>
-              <a:t>2021/11/13</a:t>
+              <a:t>2021/11/21</a:t>
             </a:fld>
             <a:endParaRPr lang="zh-CN" altLang="en-US"/>
           </a:p>
@@ -16643,7 +16643,7 @@
           <a:p>
             <a:fld id="{977FFA72-90F3-4843-A88F-D4609A153988}" type="datetimeFigureOut">
               <a:rPr lang="zh-CN" altLang="en-US" smtClean="0"/>
-              <a:t>2021/11/13</a:t>
+              <a:t>2021/11/21</a:t>
             </a:fld>
             <a:endParaRPr lang="zh-CN" altLang="en-US"/>
           </a:p>
@@ -16733,7 +16733,7 @@
           <a:p>
             <a:fld id="{977FFA72-90F3-4843-A88F-D4609A153988}" type="datetimeFigureOut">
               <a:rPr lang="zh-CN" altLang="en-US" smtClean="0"/>
-              <a:t>2021/11/13</a:t>
+              <a:t>2021/11/21</a:t>
             </a:fld>
             <a:endParaRPr lang="zh-CN" altLang="en-US"/>
           </a:p>
@@ -17093,7 +17093,7 @@
           <a:p>
             <a:fld id="{977FFA72-90F3-4843-A88F-D4609A153988}" type="datetimeFigureOut">
               <a:rPr lang="zh-CN" altLang="en-US" smtClean="0"/>
-              <a:t>2021/11/13</a:t>
+              <a:t>2021/11/21</a:t>
             </a:fld>
             <a:endParaRPr lang="zh-CN" altLang="en-US"/>
           </a:p>
@@ -17340,7 +17340,7 @@
           <a:p>
             <a:fld id="{977FFA72-90F3-4843-A88F-D4609A153988}" type="datetimeFigureOut">
               <a:rPr lang="zh-CN" altLang="en-US" smtClean="0"/>
-              <a:t>2021/11/13</a:t>
+              <a:t>2021/11/21</a:t>
             </a:fld>
             <a:endParaRPr lang="zh-CN" altLang="en-US"/>
           </a:p>
@@ -17546,7 +17546,7 @@
           <a:p>
             <a:fld id="{977FFA72-90F3-4843-A88F-D4609A153988}" type="datetimeFigureOut">
               <a:rPr lang="zh-CN" altLang="en-US" smtClean="0"/>
-              <a:t>2021/11/13</a:t>
+              <a:t>2021/11/21</a:t>
             </a:fld>
             <a:endParaRPr lang="zh-CN" altLang="en-US"/>
           </a:p>
@@ -17977,97 +17977,6 @@
           </a:prstGeom>
         </p:spPr>
       </p:pic>
-      <p:sp>
-        <p:nvSpPr>
-          <p:cNvPr id="45" name="圆角矩形 44"/>
-          <p:cNvSpPr/>
-          <p:nvPr/>
-        </p:nvSpPr>
-        <p:spPr>
-          <a:xfrm>
-            <a:off x="2446078" y="5350213"/>
-            <a:ext cx="2340413" cy="388234"/>
-          </a:xfrm>
-          <a:prstGeom prst="roundRect">
-            <a:avLst>
-              <a:gd name="adj" fmla="val 25072"/>
-            </a:avLst>
-          </a:prstGeom>
-          <a:noFill/>
-          <a:ln>
-            <a:solidFill>
-              <a:schemeClr val="bg1">
-                <a:lumMod val="65000"/>
-              </a:schemeClr>
-            </a:solidFill>
-          </a:ln>
-        </p:spPr>
-        <p:style>
-          <a:lnRef idx="2">
-            <a:schemeClr val="accent1">
-              <a:shade val="50000"/>
-            </a:schemeClr>
-          </a:lnRef>
-          <a:fillRef idx="1">
-            <a:schemeClr val="accent1"/>
-          </a:fillRef>
-          <a:effectRef idx="0">
-            <a:schemeClr val="accent1"/>
-          </a:effectRef>
-          <a:fontRef idx="minor">
-            <a:schemeClr val="lt1"/>
-          </a:fontRef>
-        </p:style>
-        <p:txBody>
-          <a:bodyPr rtlCol="0" anchor="ctr"/>
-          <a:lstStyle/>
-          <a:p>
-            <a:pPr algn="ctr"/>
-            <a:r>
-              <a:rPr lang="zh-TW" altLang="en-US" sz="2000" dirty="0">
-                <a:solidFill>
-                  <a:schemeClr val="tx1">
-                    <a:lumMod val="95000"/>
-                    <a:lumOff val="5000"/>
-                  </a:schemeClr>
-                </a:solidFill>
-                <a:latin typeface="標楷體" panose="03000509000000000000" pitchFamily="65" charset="-120"/>
-                <a:ea typeface="標楷體" panose="03000509000000000000" pitchFamily="65" charset="-120"/>
-                <a:cs typeface="+mn-ea"/>
-                <a:sym typeface="+mn-lt"/>
-              </a:rPr>
-              <a:t>組員</a:t>
-            </a:r>
-            <a:r>
-              <a:rPr lang="en-US" altLang="zh-TW" sz="2000" dirty="0">
-                <a:solidFill>
-                  <a:schemeClr val="tx1">
-                    <a:lumMod val="95000"/>
-                    <a:lumOff val="5000"/>
-                  </a:schemeClr>
-                </a:solidFill>
-                <a:latin typeface="標楷體" panose="03000509000000000000" pitchFamily="65" charset="-120"/>
-                <a:ea typeface="標楷體" panose="03000509000000000000" pitchFamily="65" charset="-120"/>
-                <a:cs typeface="+mn-ea"/>
-                <a:sym typeface="+mn-lt"/>
-              </a:rPr>
-              <a:t>:</a:t>
-            </a:r>
-            <a:endParaRPr lang="zh-CN" altLang="en-US" sz="2000" dirty="0">
-              <a:solidFill>
-                <a:schemeClr val="tx1">
-                  <a:lumMod val="95000"/>
-                  <a:lumOff val="5000"/>
-                </a:schemeClr>
-              </a:solidFill>
-              <a:latin typeface="標楷體" panose="03000509000000000000" pitchFamily="65" charset="-120"/>
-              <a:ea typeface="標楷體" panose="03000509000000000000" pitchFamily="65" charset="-120"/>
-              <a:cs typeface="+mn-ea"/>
-              <a:sym typeface="+mn-lt"/>
-            </a:endParaRPr>
-          </a:p>
-        </p:txBody>
-      </p:sp>
       <p:grpSp>
         <p:nvGrpSpPr>
           <p:cNvPr id="11" name="组合 10"/>
@@ -20750,6 +20659,28 @@
                 <a:spcPct val="150000"/>
               </a:lnSpc>
             </a:pPr>
+            <a:endParaRPr lang="en-US" altLang="zh-TW" sz="2500" dirty="0">
+              <a:latin typeface="標楷體" panose="03000509000000000000" pitchFamily="65" charset="-120"/>
+              <a:ea typeface="標楷體" panose="03000509000000000000" pitchFamily="65" charset="-120"/>
+            </a:endParaRPr>
+          </a:p>
+          <a:p>
+            <a:pPr>
+              <a:lnSpc>
+                <a:spcPct val="150000"/>
+              </a:lnSpc>
+            </a:pPr>
+            <a:endParaRPr lang="en-US" altLang="zh-TW" sz="2500" dirty="0">
+              <a:latin typeface="標楷體" panose="03000509000000000000" pitchFamily="65" charset="-120"/>
+              <a:ea typeface="標楷體" panose="03000509000000000000" pitchFamily="65" charset="-120"/>
+            </a:endParaRPr>
+          </a:p>
+          <a:p>
+            <a:pPr>
+              <a:lnSpc>
+                <a:spcPct val="150000"/>
+              </a:lnSpc>
+            </a:pPr>
             <a:r>
               <a:rPr lang="en-US" altLang="zh-TW" sz="2500" dirty="0">
                 <a:latin typeface="標楷體" panose="03000509000000000000" pitchFamily="65" charset="-120"/>
@@ -20797,26 +20728,8 @@
                 <a:latin typeface="標楷體" panose="03000509000000000000" pitchFamily="65" charset="-120"/>
                 <a:ea typeface="標楷體" panose="03000509000000000000" pitchFamily="65" charset="-120"/>
               </a:rPr>
-              <a:t>)?</a:t>
+              <a:t>)</a:t>
             </a:r>
-          </a:p>
-          <a:p>
-            <a:pPr>
-              <a:lnSpc>
-                <a:spcPct val="150000"/>
-              </a:lnSpc>
-            </a:pPr>
-            <a:endParaRPr lang="en-US" altLang="zh-CN" sz="2500" dirty="0">
-              <a:latin typeface="標楷體" panose="03000509000000000000" pitchFamily="65" charset="-120"/>
-              <a:ea typeface="標楷體" panose="03000509000000000000" pitchFamily="65" charset="-120"/>
-            </a:endParaRPr>
-          </a:p>
-          <a:p>
-            <a:pPr>
-              <a:lnSpc>
-                <a:spcPct val="150000"/>
-              </a:lnSpc>
-            </a:pPr>
             <a:endParaRPr lang="en-US" altLang="zh-CN" sz="2500" dirty="0">
               <a:latin typeface="標楷體" panose="03000509000000000000" pitchFamily="65" charset="-120"/>
               <a:ea typeface="標楷體" panose="03000509000000000000" pitchFamily="65" charset="-120"/>
@@ -20862,13 +20775,13 @@
   <p:clrMapOvr>
     <a:masterClrMapping/>
   </p:clrMapOvr>
-  <mc:AlternateContent xmlns:mc="http://schemas.openxmlformats.org/markup-compatibility/2006">
-    <mc:Choice xmlns:p14="http://schemas.microsoft.com/office/powerpoint/2010/main" Requires="p14">
+  <mc:AlternateContent xmlns:mc="http://schemas.openxmlformats.org/markup-compatibility/2006" xmlns:p14="http://schemas.microsoft.com/office/powerpoint/2010/main">
+    <mc:Choice Requires="p14">
       <p:transition spd="slow" p14:dur="1250">
         <p:split orient="vert"/>
       </p:transition>
     </mc:Choice>
-    <mc:Fallback>
+    <mc:Fallback xmlns="">
       <p:transition spd="slow">
         <p:split orient="vert"/>
       </p:transition>
